--- a/Ressources/images.src/wait.pptx
+++ b/Ressources/images.src/wait.pptx
@@ -579,7 +579,7 @@
               </a14:hiddenFill>
             </a:ext>
             <a:ext uri="{FAA26D3D-D897-4be2-8F04-BA451C77F1D7}">
-              <ma14:placeholderFlag xmlns="" xmlns:ma14="http://schemas.microsoft.com/office/mac/drawingml/2011/main" val="1"/>
+              <ma14:placeholderFlag xmlns:ma14="http://schemas.microsoft.com/office/mac/drawingml/2011/main" xmlns="" val="1"/>
             </a:ext>
           </a:extLst>
         </p:spPr>
@@ -1048,7 +1048,7 @@
               <a:pPr>
                 <a:defRPr/>
               </a:pPr>
-              <a:t>15/12/2022</a:t>
+              <a:t>09/01/2023</a:t>
             </a:fld>
             <a:endParaRPr lang="fr-FR"/>
           </a:p>
@@ -2419,8 +2419,8 @@
         </p:blipFill>
         <p:spPr>
           <a:xfrm>
-            <a:off x="7233646" y="3965241"/>
-            <a:ext cx="1943100" cy="3111500"/>
+            <a:off x="7365338" y="4234745"/>
+            <a:ext cx="1810238" cy="2898747"/>
           </a:xfrm>
           <a:prstGeom prst="rect">
             <a:avLst/>

--- a/Ressources/images.src/wait.pptx
+++ b/Ressources/images.src/wait.pptx
@@ -1048,7 +1048,7 @@
               <a:pPr>
                 <a:defRPr/>
               </a:pPr>
-              <a:t>09/01/2023</a:t>
+              <a:t>11/05/2023</a:t>
             </a:fld>
             <a:endParaRPr lang="fr-FR"/>
           </a:p>
@@ -2249,7 +2249,7 @@
         <p:spPr>
           <a:xfrm>
             <a:off x="3923928" y="2076675"/>
-            <a:ext cx="5688632" cy="1938992"/>
+            <a:ext cx="5688632" cy="2246769"/>
           </a:xfrm>
           <a:prstGeom prst="rect">
             <a:avLst/>
@@ -2314,7 +2314,21 @@
                 <a:ea typeface="Krungthep" panose="02000400000000000000" pitchFamily="2" charset="-34"/>
                 <a:cs typeface="Krungthep" panose="02000400000000000000" pitchFamily="2" charset="-34"/>
               </a:rPr>
-              <a:t>à 13h00</a:t>
+              <a:t>à 21h00</a:t>
+            </a:r>
+          </a:p>
+          <a:p>
+            <a:pPr algn="ctr"/>
+            <a:r>
+              <a:rPr lang="fr-FR" sz="1800" b="1" dirty="0">
+                <a:solidFill>
+                  <a:srgbClr val="A00000"/>
+                </a:solidFill>
+                <a:latin typeface="Impact" panose="020B0806030902050204" pitchFamily="34" charset="0"/>
+                <a:ea typeface="Krungthep" panose="02000400000000000000" pitchFamily="2" charset="-34"/>
+                <a:cs typeface="Krungthep" panose="02000400000000000000" pitchFamily="2" charset="-34"/>
+              </a:rPr>
+              <a:t>+5 minutes pour les retardataires</a:t>
             </a:r>
           </a:p>
         </p:txBody>
@@ -2441,8 +2455,8 @@
         </p:nvSpPr>
         <p:spPr>
           <a:xfrm>
-            <a:off x="5383781" y="5684119"/>
-            <a:ext cx="1849865" cy="584775"/>
+            <a:off x="4463336" y="5684119"/>
+            <a:ext cx="2770310" cy="584775"/>
           </a:xfrm>
           <a:prstGeom prst="rect">
             <a:avLst/>
@@ -2484,7 +2498,7 @@
                 </a:solidFill>
                 <a:latin typeface="+mn-lt"/>
               </a:rPr>
-              <a:t>Orange Campus CYBER</a:t>
+              <a:t>Enseignant, Pilote SEC101 Bretagne</a:t>
             </a:r>
           </a:p>
         </p:txBody>
